--- a/Seccion 6 Analisis Factorial/Diapositivas/6.4 Principal Component Factor Analysis.pptx
+++ b/Seccion 6 Analisis Factorial/Diapositivas/6.4 Principal Component Factor Analysis.pptx
@@ -273,7 +273,7 @@
             <a:fld id="{B61BEF0D-F0BB-DE4B-95CE-6DB70DBA9567}" type="datetimeFigureOut">
               <a:rPr lang="en-US" smtClean="0"/>
               <a:pPr/>
-              <a:t>1/27/2020</a:t>
+              <a:t>4/6/2020</a:t>
             </a:fld>
             <a:endParaRPr lang="en-US" dirty="0"/>
           </a:p>
@@ -472,7 +472,7 @@
           <a:p>
             <a:fld id="{55C6B4A9-1611-4792-9094-5F34BCA07E0B}" type="datetimeFigureOut">
               <a:rPr lang="en-US" smtClean="0"/>
-              <a:t>1/27/2020</a:t>
+              <a:t>4/6/2020</a:t>
             </a:fld>
             <a:endParaRPr lang="en-US" dirty="0"/>
           </a:p>
@@ -681,7 +681,7 @@
             <a:fld id="{B61BEF0D-F0BB-DE4B-95CE-6DB70DBA9567}" type="datetimeFigureOut">
               <a:rPr lang="en-US" smtClean="0"/>
               <a:pPr/>
-              <a:t>1/27/2020</a:t>
+              <a:t>4/6/2020</a:t>
             </a:fld>
             <a:endParaRPr lang="en-US" dirty="0"/>
           </a:p>
@@ -1501,7 +1501,7 @@
             <a:fld id="{B61BEF0D-F0BB-DE4B-95CE-6DB70DBA9567}" type="datetimeFigureOut">
               <a:rPr lang="en-US" smtClean="0"/>
               <a:pPr/>
-              <a:t>1/27/2020</a:t>
+              <a:t>4/6/2020</a:t>
             </a:fld>
             <a:endParaRPr lang="en-US" dirty="0"/>
           </a:p>
@@ -1673,7 +1673,7 @@
             <a:fld id="{B61BEF0D-F0BB-DE4B-95CE-6DB70DBA9567}" type="datetimeFigureOut">
               <a:rPr lang="en-US" smtClean="0"/>
               <a:pPr/>
-              <a:t>1/27/2020</a:t>
+              <a:t>4/6/2020</a:t>
             </a:fld>
             <a:endParaRPr lang="en-US" dirty="0"/>
           </a:p>
@@ -1922,7 +1922,7 @@
             <a:fld id="{B61BEF0D-F0BB-DE4B-95CE-6DB70DBA9567}" type="datetimeFigureOut">
               <a:rPr lang="en-US" smtClean="0"/>
               <a:pPr/>
-              <a:t>1/27/2020</a:t>
+              <a:t>4/6/2020</a:t>
             </a:fld>
             <a:endParaRPr lang="en-US" dirty="0"/>
           </a:p>
@@ -2155,7 +2155,7 @@
           <a:p>
             <a:fld id="{EB712588-04B1-427B-82EE-E8DB90309F08}" type="datetimeFigureOut">
               <a:rPr lang="en-US" smtClean="0"/>
-              <a:t>1/27/2020</a:t>
+              <a:t>4/6/2020</a:t>
             </a:fld>
             <a:endParaRPr lang="en-US" dirty="0"/>
           </a:p>
@@ -2530,7 +2530,7 @@
             <a:fld id="{B61BEF0D-F0BB-DE4B-95CE-6DB70DBA9567}" type="datetimeFigureOut">
               <a:rPr lang="en-US" smtClean="0"/>
               <a:pPr/>
-              <a:t>1/27/2020</a:t>
+              <a:t>4/6/2020</a:t>
             </a:fld>
             <a:endParaRPr lang="en-US" dirty="0"/>
           </a:p>
@@ -2655,7 +2655,7 @@
             <a:fld id="{B61BEF0D-F0BB-DE4B-95CE-6DB70DBA9567}" type="datetimeFigureOut">
               <a:rPr lang="en-US" smtClean="0"/>
               <a:pPr/>
-              <a:t>1/27/2020</a:t>
+              <a:t>4/6/2020</a:t>
             </a:fld>
             <a:endParaRPr lang="en-US" dirty="0"/>
           </a:p>
@@ -2752,7 +2752,7 @@
             <a:fld id="{B61BEF0D-F0BB-DE4B-95CE-6DB70DBA9567}" type="datetimeFigureOut">
               <a:rPr lang="en-US" smtClean="0"/>
               <a:pPr/>
-              <a:t>1/27/2020</a:t>
+              <a:t>4/6/2020</a:t>
             </a:fld>
             <a:endParaRPr lang="en-US" dirty="0"/>
           </a:p>
@@ -3008,7 +3008,7 @@
           <a:p>
             <a:fld id="{42A54C80-263E-416B-A8E0-580EDEADCBDC}" type="datetimeFigureOut">
               <a:rPr lang="en-US" smtClean="0"/>
-              <a:t>1/27/2020</a:t>
+              <a:t>4/6/2020</a:t>
             </a:fld>
             <a:endParaRPr lang="en-US" dirty="0"/>
           </a:p>
@@ -3195,7 +3195,7 @@
             <a:fld id="{B61BEF0D-F0BB-DE4B-95CE-6DB70DBA9567}" type="datetimeFigureOut">
               <a:rPr lang="en-US" smtClean="0"/>
               <a:pPr/>
-              <a:t>1/27/2020</a:t>
+              <a:t>4/6/2020</a:t>
             </a:fld>
             <a:endParaRPr lang="en-US" dirty="0"/>
           </a:p>
@@ -3515,7 +3515,7 @@
             <a:fld id="{B61BEF0D-F0BB-DE4B-95CE-6DB70DBA9567}" type="datetimeFigureOut">
               <a:rPr lang="en-US" smtClean="0"/>
               <a:pPr/>
-              <a:t>1/27/2020</a:t>
+              <a:t>4/6/2020</a:t>
             </a:fld>
             <a:endParaRPr lang="en-US" dirty="0"/>
           </a:p>
@@ -3725,7 +3725,7 @@
             <a:fld id="{B61BEF0D-F0BB-DE4B-95CE-6DB70DBA9567}" type="datetimeFigureOut">
               <a:rPr lang="en-US" smtClean="0"/>
               <a:pPr/>
-              <a:t>1/27/2020</a:t>
+              <a:t>4/6/2020</a:t>
             </a:fld>
             <a:endParaRPr lang="en-US" dirty="0"/>
           </a:p>
@@ -4041,7 +4041,7 @@
             <a:fld id="{B61BEF0D-F0BB-DE4B-95CE-6DB70DBA9567}" type="datetimeFigureOut">
               <a:rPr lang="en-US" smtClean="0"/>
               <a:pPr/>
-              <a:t>1/27/2020</a:t>
+              <a:t>4/6/2020</a:t>
             </a:fld>
             <a:endParaRPr lang="en-US" dirty="0"/>
           </a:p>
@@ -4376,7 +4376,7 @@
             <a:fld id="{B61BEF0D-F0BB-DE4B-95CE-6DB70DBA9567}" type="datetimeFigureOut">
               <a:rPr lang="en-US" smtClean="0"/>
               <a:pPr/>
-              <a:t>1/27/2020</a:t>
+              <a:t>4/6/2020</a:t>
             </a:fld>
             <a:endParaRPr lang="en-US" dirty="0"/>
           </a:p>
@@ -4692,7 +4692,7 @@
             <a:fld id="{B61BEF0D-F0BB-DE4B-95CE-6DB70DBA9567}" type="datetimeFigureOut">
               <a:rPr lang="en-US" smtClean="0"/>
               <a:pPr/>
-              <a:t>1/27/2020</a:t>
+              <a:t>4/6/2020</a:t>
             </a:fld>
             <a:endParaRPr lang="en-US" dirty="0"/>
           </a:p>
@@ -5087,7 +5087,7 @@
             <a:fld id="{B61BEF0D-F0BB-DE4B-95CE-6DB70DBA9567}" type="datetimeFigureOut">
               <a:rPr lang="en-US" smtClean="0"/>
               <a:pPr/>
-              <a:t>1/27/2020</a:t>
+              <a:t>4/6/2020</a:t>
             </a:fld>
             <a:endParaRPr lang="en-US" dirty="0"/>
           </a:p>
@@ -5258,7 +5258,7 @@
           <a:p>
             <a:fld id="{55C6B4A9-1611-4792-9094-5F34BCA07E0B}" type="datetimeFigureOut">
               <a:rPr lang="en-US" smtClean="0"/>
-              <a:t>1/27/2020</a:t>
+              <a:t>4/6/2020</a:t>
             </a:fld>
             <a:endParaRPr lang="en-US" dirty="0"/>
           </a:p>
@@ -5439,7 +5439,7 @@
             <a:fld id="{B61BEF0D-F0BB-DE4B-95CE-6DB70DBA9567}" type="datetimeFigureOut">
               <a:rPr lang="en-US" smtClean="0"/>
               <a:pPr/>
-              <a:t>1/27/2020</a:t>
+              <a:t>4/6/2020</a:t>
             </a:fld>
             <a:endParaRPr lang="en-US" dirty="0"/>
           </a:p>
@@ -5704,7 +5704,7 @@
             <a:fld id="{B61BEF0D-F0BB-DE4B-95CE-6DB70DBA9567}" type="datetimeFigureOut">
               <a:rPr lang="en-US" smtClean="0"/>
               <a:pPr/>
-              <a:t>1/27/2020</a:t>
+              <a:t>4/6/2020</a:t>
             </a:fld>
             <a:endParaRPr lang="en-US" dirty="0"/>
           </a:p>
@@ -5970,7 +5970,7 @@
           <a:p>
             <a:fld id="{EB712588-04B1-427B-82EE-E8DB90309F08}" type="datetimeFigureOut">
               <a:rPr lang="en-US" smtClean="0"/>
-              <a:t>1/27/2020</a:t>
+              <a:t>4/6/2020</a:t>
             </a:fld>
             <a:endParaRPr lang="en-US" dirty="0"/>
           </a:p>
@@ -6383,7 +6383,7 @@
             <a:fld id="{B61BEF0D-F0BB-DE4B-95CE-6DB70DBA9567}" type="datetimeFigureOut">
               <a:rPr lang="en-US" smtClean="0"/>
               <a:pPr/>
-              <a:t>1/27/2020</a:t>
+              <a:t>4/6/2020</a:t>
             </a:fld>
             <a:endParaRPr lang="en-US" dirty="0"/>
           </a:p>
@@ -6526,7 +6526,7 @@
             <a:fld id="{B61BEF0D-F0BB-DE4B-95CE-6DB70DBA9567}" type="datetimeFigureOut">
               <a:rPr lang="en-US" smtClean="0"/>
               <a:pPr/>
-              <a:t>1/27/2020</a:t>
+              <a:t>4/6/2020</a:t>
             </a:fld>
             <a:endParaRPr lang="en-US" dirty="0"/>
           </a:p>
@@ -6641,7 +6641,7 @@
             <a:fld id="{B61BEF0D-F0BB-DE4B-95CE-6DB70DBA9567}" type="datetimeFigureOut">
               <a:rPr lang="en-US" smtClean="0"/>
               <a:pPr/>
-              <a:t>1/27/2020</a:t>
+              <a:t>4/6/2020</a:t>
             </a:fld>
             <a:endParaRPr lang="en-US" dirty="0"/>
           </a:p>
@@ -6953,7 +6953,7 @@
           <a:p>
             <a:fld id="{42A54C80-263E-416B-A8E0-580EDEADCBDC}" type="datetimeFigureOut">
               <a:rPr lang="en-US" smtClean="0"/>
-              <a:t>1/27/2020</a:t>
+              <a:t>4/6/2020</a:t>
             </a:fld>
             <a:endParaRPr lang="en-US" dirty="0"/>
           </a:p>
@@ -7242,7 +7242,7 @@
             <a:fld id="{B61BEF0D-F0BB-DE4B-95CE-6DB70DBA9567}" type="datetimeFigureOut">
               <a:rPr lang="en-US" smtClean="0"/>
               <a:pPr/>
-              <a:t>1/27/2020</a:t>
+              <a:t>4/6/2020</a:t>
             </a:fld>
             <a:endParaRPr lang="en-US" dirty="0"/>
           </a:p>
@@ -7485,7 +7485,7 @@
             <a:fld id="{B61BEF0D-F0BB-DE4B-95CE-6DB70DBA9567}" type="datetimeFigureOut">
               <a:rPr lang="en-US" smtClean="0"/>
               <a:pPr/>
-              <a:t>1/27/2020</a:t>
+              <a:t>4/6/2020</a:t>
             </a:fld>
             <a:endParaRPr lang="en-US" dirty="0"/>
           </a:p>
@@ -8570,7 +8570,7 @@
             <a:fld id="{B61BEF0D-F0BB-DE4B-95CE-6DB70DBA9567}" type="datetimeFigureOut">
               <a:rPr lang="en-US" smtClean="0"/>
               <a:pPr/>
-              <a:t>1/27/2020</a:t>
+              <a:t>4/6/2020</a:t>
             </a:fld>
             <a:endParaRPr lang="en-US" dirty="0"/>
           </a:p>
@@ -10557,12 +10557,16 @@
                 </a:endParaRPr>
               </a:p>
               <a:p>
+                <a:pPr lvl="1">
+                  <a:buFont typeface="Arial" panose="020B0604020202020204" pitchFamily="34" charset="0"/>
+                  <a:buChar char="•"/>
+                </a:pPr>
                 <a14:m>
                   <m:oMath xmlns:m="http://schemas.openxmlformats.org/officeDocument/2006/math">
                     <m:sSub>
                       <m:sSubPr>
                         <m:ctrlPr>
-                          <a:rPr lang="es-ES" b="1" i="1" dirty="0" smtClean="0">
+                          <a:rPr lang="es-ES" sz="1800" b="1" i="1" dirty="0" smtClean="0">
                             <a:solidFill>
                               <a:schemeClr val="bg1"/>
                             </a:solidFill>
@@ -10572,7 +10576,7 @@
                       </m:sSubPr>
                       <m:e>
                         <m:r>
-                          <a:rPr lang="es-ES" b="1" i="0" dirty="0" smtClean="0">
+                          <a:rPr lang="es-ES" sz="1800" b="1" i="0" dirty="0" smtClean="0">
                             <a:solidFill>
                               <a:schemeClr val="bg1"/>
                             </a:solidFill>
@@ -10583,7 +10587,7 @@
                       </m:e>
                       <m:sub>
                         <m:r>
-                          <a:rPr lang="es-ES" b="1" i="0" dirty="0" smtClean="0">
+                          <a:rPr lang="es-ES" sz="1800" b="1" i="0" dirty="0" smtClean="0">
                             <a:solidFill>
                               <a:schemeClr val="bg1"/>
                             </a:solidFill>
@@ -10594,7 +10598,7 @@
                       </m:sub>
                     </m:sSub>
                     <m:r>
-                      <a:rPr lang="es-ES" b="1" i="0" dirty="0" smtClean="0">
+                      <a:rPr lang="es-ES" sz="1800" b="1" i="0" dirty="0" smtClean="0">
                         <a:solidFill>
                           <a:schemeClr val="bg1"/>
                         </a:solidFill>
@@ -10612,26 +10616,20 @@
                     <a:latin typeface="Calibri" panose="020F0502020204030204" pitchFamily="34" charset="0"/>
                     <a:cs typeface="Calibri" panose="020F0502020204030204" pitchFamily="34" charset="0"/>
                   </a:rPr>
-                  <a:t> </a:t>
-                </a:r>
-                <a:r>
-                  <a:rPr lang="es-ES" dirty="0">
-                    <a:solidFill>
-                      <a:schemeClr val="bg1"/>
-                    </a:solidFill>
-                    <a:latin typeface="Calibri" panose="020F0502020204030204" pitchFamily="34" charset="0"/>
-                    <a:cs typeface="Calibri" panose="020F0502020204030204" pitchFamily="34" charset="0"/>
-                  </a:rPr>
-                  <a:t>tasa de homicidios</a:t>
+                  <a:t> tasa de homicidios</a:t>
                 </a:r>
               </a:p>
               <a:p>
+                <a:pPr lvl="1">
+                  <a:buFont typeface="Arial" panose="020B0604020202020204" pitchFamily="34" charset="0"/>
+                  <a:buChar char="•"/>
+                </a:pPr>
                 <a14:m>
                   <m:oMath xmlns:m="http://schemas.openxmlformats.org/officeDocument/2006/math">
                     <m:sSub>
                       <m:sSubPr>
                         <m:ctrlPr>
-                          <a:rPr lang="es-ES" b="1" i="1">
+                          <a:rPr lang="es-ES" sz="1800" b="1" i="1">
                             <a:solidFill>
                               <a:schemeClr val="bg1"/>
                             </a:solidFill>
@@ -10642,7 +10640,7 @@
                       </m:sSubPr>
                       <m:e>
                         <m:r>
-                          <a:rPr lang="es-ES" b="1">
+                          <a:rPr lang="es-ES" sz="1800" b="1">
                             <a:solidFill>
                               <a:schemeClr val="bg1"/>
                             </a:solidFill>
@@ -10654,7 +10652,7 @@
                       </m:e>
                       <m:sub>
                         <m:r>
-                          <a:rPr lang="es-ES">
+                          <a:rPr lang="es-ES" sz="1800">
                             <a:solidFill>
                               <a:schemeClr val="bg1"/>
                             </a:solidFill>
@@ -10666,7 +10664,7 @@
                       </m:sub>
                     </m:sSub>
                     <m:r>
-                      <a:rPr lang="es-ES" b="1">
+                      <a:rPr lang="es-ES" sz="1800" b="1">
                         <a:solidFill>
                           <a:schemeClr val="bg1"/>
                         </a:solidFill>
@@ -10678,7 +10676,7 @@
                   </m:oMath>
                 </a14:m>
                 <a:r>
-                  <a:rPr lang="es-ES" b="1" dirty="0">
+                  <a:rPr lang="es-ES" sz="1800" b="1" dirty="0">
                     <a:solidFill>
                       <a:schemeClr val="bg1"/>
                     </a:solidFill>
@@ -10688,7 +10686,7 @@
                   <a:t> </a:t>
                 </a:r>
                 <a:r>
-                  <a:rPr lang="es-ES" dirty="0">
+                  <a:rPr lang="es-ES" sz="1800" dirty="0">
                     <a:solidFill>
                       <a:schemeClr val="bg1"/>
                     </a:solidFill>
@@ -10699,10 +10697,14 @@
                 </a:r>
               </a:p>
               <a:p>
+                <a:pPr lvl="1">
+                  <a:buFont typeface="Arial" panose="020B0604020202020204" pitchFamily="34" charset="0"/>
+                  <a:buChar char="•"/>
+                </a:pPr>
                 <a14:m>
                   <m:oMath xmlns:m="http://schemas.openxmlformats.org/officeDocument/2006/math">
                     <m:r>
-                      <a:rPr lang="es-ES" b="1" i="1" smtClean="0">
+                      <a:rPr lang="es-ES" sz="1800" b="1" i="1" smtClean="0">
                         <a:solidFill>
                           <a:schemeClr val="bg1"/>
                         </a:solidFill>
@@ -10712,7 +10714,7 @@
                       <m:t>𝒍𝒐𝒈</m:t>
                     </m:r>
                     <m:r>
-                      <a:rPr lang="es-ES" b="1" i="1" smtClean="0">
+                      <a:rPr lang="es-ES" sz="1800" b="1" i="1" smtClean="0">
                         <a:solidFill>
                           <a:schemeClr val="bg1"/>
                         </a:solidFill>
@@ -10724,7 +10726,7 @@
                     <m:sSub>
                       <m:sSubPr>
                         <m:ctrlPr>
-                          <a:rPr lang="es-ES" b="1" i="1">
+                          <a:rPr lang="es-ES" sz="1800" b="1" i="1">
                             <a:solidFill>
                               <a:schemeClr val="bg1"/>
                             </a:solidFill>
@@ -10735,7 +10737,7 @@
                       </m:sSubPr>
                       <m:e>
                         <m:r>
-                          <a:rPr lang="es-ES" b="1">
+                          <a:rPr lang="es-ES" sz="1800" b="1">
                             <a:solidFill>
                               <a:schemeClr val="bg1"/>
                             </a:solidFill>
@@ -10747,7 +10749,7 @@
                       </m:e>
                       <m:sub>
                         <m:r>
-                          <a:rPr lang="es-ES">
+                          <a:rPr lang="es-ES" sz="1800">
                             <a:solidFill>
                               <a:schemeClr val="bg1"/>
                             </a:solidFill>
@@ -10759,7 +10761,7 @@
                       </m:sub>
                     </m:sSub>
                     <m:r>
-                      <a:rPr lang="es-ES" b="1" i="1" smtClean="0">
+                      <a:rPr lang="es-ES" sz="1800" b="1" i="1" smtClean="0">
                         <a:solidFill>
                           <a:schemeClr val="bg1"/>
                         </a:solidFill>
@@ -10769,7 +10771,7 @@
                       <m:t>)</m:t>
                     </m:r>
                     <m:r>
-                      <a:rPr lang="es-ES" b="1">
+                      <a:rPr lang="es-ES" sz="1800" b="1">
                         <a:solidFill>
                           <a:schemeClr val="bg1"/>
                         </a:solidFill>
@@ -10781,7 +10783,7 @@
                   </m:oMath>
                 </a14:m>
                 <a:r>
-                  <a:rPr lang="es-ES" b="1" dirty="0">
+                  <a:rPr lang="es-ES" sz="1800" b="1" dirty="0">
                     <a:solidFill>
                       <a:schemeClr val="bg1"/>
                     </a:solidFill>
@@ -10791,7 +10793,7 @@
                   <a:t> </a:t>
                 </a:r>
                 <a:r>
-                  <a:rPr lang="es-ES" dirty="0">
+                  <a:rPr lang="es-ES" sz="1800" dirty="0">
                     <a:solidFill>
                       <a:schemeClr val="bg1"/>
                     </a:solidFill>
@@ -10838,7 +10840,7 @@
               <a:blipFill>
                 <a:blip r:embed="rId2"/>
                 <a:stretch>
-                  <a:fillRect l="-136" t="-618" r="-815"/>
+                  <a:fillRect l="-136" t="-618" r="-475"/>
                 </a:stretch>
               </a:blipFill>
             </p:spPr>
@@ -10926,8 +10928,8 @@
           </a:p>
         </p:txBody>
       </p:sp>
-      <mc:AlternateContent xmlns:mc="http://schemas.openxmlformats.org/markup-compatibility/2006" xmlns:a14="http://schemas.microsoft.com/office/drawing/2010/main">
-        <mc:Choice Requires="a14">
+      <mc:AlternateContent xmlns:mc="http://schemas.openxmlformats.org/markup-compatibility/2006">
+        <mc:Choice xmlns:a14="http://schemas.microsoft.com/office/drawing/2010/main" Requires="a14">
           <p:sp>
             <p:nvSpPr>
               <p:cNvPr id="3" name="Marcador de contenido 2">
@@ -11078,7 +11080,15 @@
                       <a:schemeClr val="bg1"/>
                     </a:solidFill>
                   </a:rPr>
-                  <a:t> y sabemos que las variables univariantes tienen diferentes unidades de medidas, es preferible estandarizar las variables.</a:t>
+                  <a:t> y sabemos que las variables univariantes tienen diferentes unidades de medidas, es preferible </a:t>
+                </a:r>
+                <a:r>
+                  <a:rPr lang="es-ES" dirty="0">
+                    <a:solidFill>
+                      <a:srgbClr val="FFC000"/>
+                    </a:solidFill>
+                  </a:rPr>
+                  <a:t>estandarizar las variables.</a:t>
                 </a:r>
               </a:p>
               <a:p>
@@ -11448,14 +11458,22 @@
                       <a:schemeClr val="bg1"/>
                     </a:solidFill>
                   </a:rPr>
-                  <a:t>La variable aleatoria multivariante </a:t>
+                  <a:t>La </a:t>
+                </a:r>
+                <a:r>
+                  <a:rPr lang="es-ES" dirty="0">
+                    <a:solidFill>
+                      <a:srgbClr val="92D050"/>
+                    </a:solidFill>
+                  </a:rPr>
+                  <a:t>variable aleatoria multivariante estandarizada </a:t>
                 </a:r>
                 <a14:m>
                   <m:oMath xmlns:m="http://schemas.openxmlformats.org/officeDocument/2006/math">
                     <m:r>
                       <a:rPr lang="es-ES" b="1">
                         <a:solidFill>
-                          <a:schemeClr val="bg1"/>
+                          <a:srgbClr val="92D050"/>
                         </a:solidFill>
                         <a:latin typeface="Cambria Math" panose="02040503050406030204" pitchFamily="18" charset="0"/>
                       </a:rPr>
@@ -11466,10 +11484,18 @@
                 <a:r>
                   <a:rPr lang="es-ES" dirty="0">
                     <a:solidFill>
+                      <a:srgbClr val="92D050"/>
+                    </a:solidFill>
+                  </a:rPr>
+                  <a:t> </a:t>
+                </a:r>
+                <a:r>
+                  <a:rPr lang="es-ES" dirty="0">
+                    <a:solidFill>
                       <a:schemeClr val="bg1"/>
                     </a:solidFill>
                   </a:rPr>
-                  <a:t> tendrá media </a:t>
+                  <a:t>tendrá media </a:t>
                 </a:r>
                 <a14:m>
                   <m:oMath xmlns:m="http://schemas.openxmlformats.org/officeDocument/2006/math">
@@ -11631,7 +11657,7 @@
             </p:txBody>
           </p:sp>
         </mc:Choice>
-        <mc:Fallback xmlns="">
+        <mc:Fallback>
           <p:sp>
             <p:nvSpPr>
               <p:cNvPr id="3" name="Marcador de contenido 2">
@@ -11744,8 +11770,8 @@
           </a:p>
         </p:txBody>
       </p:sp>
-      <mc:AlternateContent xmlns:mc="http://schemas.openxmlformats.org/markup-compatibility/2006" xmlns:a14="http://schemas.microsoft.com/office/drawing/2010/main">
-        <mc:Choice Requires="a14">
+      <mc:AlternateContent xmlns:mc="http://schemas.openxmlformats.org/markup-compatibility/2006">
+        <mc:Choice xmlns:a14="http://schemas.microsoft.com/office/drawing/2010/main" Requires="a14">
           <p:sp>
             <p:nvSpPr>
               <p:cNvPr id="3" name="Marcador de contenido 2">
@@ -11929,14 +11955,24 @@
                     <a:latin typeface="Calibri" panose="020F0502020204030204" pitchFamily="34" charset="0"/>
                     <a:cs typeface="Calibri" panose="020F0502020204030204" pitchFamily="34" charset="0"/>
                   </a:rPr>
-                  <a:t>Su estandarización </a:t>
+                  <a:t>Su </a:t>
+                </a:r>
+                <a:r>
+                  <a:rPr lang="es-ES" dirty="0">
+                    <a:solidFill>
+                      <a:srgbClr val="FFC000"/>
+                    </a:solidFill>
+                    <a:latin typeface="Calibri" panose="020F0502020204030204" pitchFamily="34" charset="0"/>
+                    <a:cs typeface="Calibri" panose="020F0502020204030204" pitchFamily="34" charset="0"/>
+                  </a:rPr>
+                  <a:t>estandarización </a:t>
                 </a:r>
                 <a14:m>
                   <m:oMath xmlns:m="http://schemas.openxmlformats.org/officeDocument/2006/math">
                     <m:r>
                       <a:rPr lang="es-ES" b="1" dirty="0">
                         <a:solidFill>
-                          <a:schemeClr val="bg1"/>
+                          <a:srgbClr val="FFC000"/>
                         </a:solidFill>
                         <a:latin typeface="Cambria Math" panose="02040503050406030204" pitchFamily="18" charset="0"/>
                       </a:rPr>
@@ -11947,12 +11983,22 @@
                 <a:r>
                   <a:rPr lang="es-ES" dirty="0">
                     <a:solidFill>
+                      <a:srgbClr val="FFC000"/>
+                    </a:solidFill>
+                    <a:latin typeface="Calibri" panose="020F0502020204030204" pitchFamily="34" charset="0"/>
+                    <a:cs typeface="Calibri" panose="020F0502020204030204" pitchFamily="34" charset="0"/>
+                  </a:rPr>
+                  <a:t> </a:t>
+                </a:r>
+                <a:r>
+                  <a:rPr lang="es-ES" dirty="0">
+                    <a:solidFill>
                       <a:schemeClr val="bg1"/>
                     </a:solidFill>
                     <a:latin typeface="Calibri" panose="020F0502020204030204" pitchFamily="34" charset="0"/>
                     <a:cs typeface="Calibri" panose="020F0502020204030204" pitchFamily="34" charset="0"/>
                   </a:rPr>
-                  <a:t> seguirá el modelo factorial:</a:t>
+                  <a:t>seguirá el modelo factorial:</a:t>
                 </a:r>
               </a:p>
               <a:p>
@@ -12923,7 +12969,7 @@
             </p:txBody>
           </p:sp>
         </mc:Choice>
-        <mc:Fallback xmlns="">
+        <mc:Fallback>
           <p:sp>
             <p:nvSpPr>
               <p:cNvPr id="3" name="Marcador de contenido 2">
@@ -13036,8 +13082,8 @@
           </a:p>
         </p:txBody>
       </p:sp>
-      <mc:AlternateContent xmlns:mc="http://schemas.openxmlformats.org/markup-compatibility/2006" xmlns:a14="http://schemas.microsoft.com/office/drawing/2010/main">
-        <mc:Choice Requires="a14">
+      <mc:AlternateContent xmlns:mc="http://schemas.openxmlformats.org/markup-compatibility/2006">
+        <mc:Choice xmlns:a14="http://schemas.microsoft.com/office/drawing/2010/main" Requires="a14">
           <p:sp>
             <p:nvSpPr>
               <p:cNvPr id="3" name="Marcador de contenido 2">
@@ -13072,14 +13118,22 @@
                       <a:schemeClr val="bg1"/>
                     </a:solidFill>
                   </a:rPr>
-                  <a:t>Como consecuencia, el modelo factorial de </a:t>
+                  <a:t>Como consecuencia, </a:t>
+                </a:r>
+                <a:r>
+                  <a:rPr lang="es-ES" dirty="0">
+                    <a:solidFill>
+                      <a:srgbClr val="FFC000"/>
+                    </a:solidFill>
+                  </a:rPr>
+                  <a:t>el modelo factorial de </a:t>
                 </a:r>
                 <a14:m>
                   <m:oMath xmlns:m="http://schemas.openxmlformats.org/officeDocument/2006/math">
                     <m:r>
                       <a:rPr lang="es-ES" b="1" dirty="0">
                         <a:solidFill>
-                          <a:schemeClr val="bg1"/>
+                          <a:srgbClr val="FFC000"/>
                         </a:solidFill>
                         <a:latin typeface="Cambria Math" panose="02040503050406030204" pitchFamily="18" charset="0"/>
                       </a:rPr>
@@ -13090,15 +13144,31 @@
                 <a:r>
                   <a:rPr lang="es-ES" dirty="0">
                     <a:solidFill>
+                      <a:srgbClr val="FFC000"/>
+                    </a:solidFill>
+                  </a:rPr>
+                  <a:t> </a:t>
+                </a:r>
+                <a:r>
+                  <a:rPr lang="es-ES" dirty="0">
+                    <a:solidFill>
                       <a:schemeClr val="bg1"/>
                     </a:solidFill>
                   </a:rPr>
-                  <a:t> es similar al modelo factorial de</a:t>
+                  <a:t>es similar al </a:t>
+                </a:r>
+                <a:r>
+                  <a:rPr lang="es-ES" dirty="0">
+                    <a:solidFill>
+                      <a:srgbClr val="92D050"/>
+                    </a:solidFill>
+                  </a:rPr>
+                  <a:t>modelo factorial de</a:t>
                 </a:r>
                 <a:r>
                   <a:rPr lang="es-ES" b="1" dirty="0">
                     <a:solidFill>
-                      <a:schemeClr val="bg1"/>
+                      <a:srgbClr val="92D050"/>
                     </a:solidFill>
                   </a:rPr>
                   <a:t> </a:t>
@@ -13108,7 +13178,7 @@
                     <m:r>
                       <a:rPr lang="es-ES" b="1" dirty="0">
                         <a:solidFill>
-                          <a:schemeClr val="bg1"/>
+                          <a:srgbClr val="92D050"/>
                         </a:solidFill>
                         <a:latin typeface="Cambria Math" panose="02040503050406030204" pitchFamily="18" charset="0"/>
                       </a:rPr>
@@ -13119,14 +13189,22 @@
                 <a:r>
                   <a:rPr lang="es-ES" dirty="0">
                     <a:solidFill>
+                      <a:srgbClr val="92D050"/>
+                    </a:solidFill>
+                  </a:rPr>
+                  <a:t> </a:t>
+                </a:r>
+                <a:r>
+                  <a:rPr lang="es-ES" dirty="0">
+                    <a:solidFill>
                       <a:schemeClr val="bg1"/>
                     </a:solidFill>
                   </a:rPr>
-                  <a:t> con:</a:t>
+                  <a:t>con:</a:t>
                 </a:r>
               </a:p>
               <a:p>
-                <a:pPr>
+                <a:pPr lvl="1">
                   <a:buFont typeface="+mj-lt"/>
                   <a:buAutoNum type="arabicPeriod"/>
                 </a:pPr>
@@ -13272,7 +13350,7 @@
                 </a:endParaRPr>
               </a:p>
               <a:p>
-                <a:pPr>
+                <a:pPr lvl="1">
                   <a:buFont typeface="+mj-lt"/>
                   <a:buAutoNum type="arabicPeriod"/>
                 </a:pPr>
@@ -13304,7 +13382,7 @@
                 </a:endParaRPr>
               </a:p>
               <a:p>
-                <a:pPr>
+                <a:pPr lvl="1">
                   <a:buFont typeface="+mj-lt"/>
                   <a:buAutoNum type="arabicPeriod"/>
                 </a:pPr>
@@ -13690,13 +13768,18 @@
                 </a:endParaRPr>
               </a:p>
               <a:p>
+                <a:endParaRPr lang="es-ES" dirty="0">
+                  <a:solidFill>
+                    <a:schemeClr val="bg1"/>
+                  </a:solidFill>
+                </a:endParaRPr>
+              </a:p>
+              <a:p>
                 <a:r>
                   <a:rPr lang="es-ES" dirty="0">
                     <a:solidFill>
                       <a:schemeClr val="bg1"/>
                     </a:solidFill>
-                    <a:latin typeface="Calibri" panose="020F0502020204030204" pitchFamily="34" charset="0"/>
-                    <a:cs typeface="Calibri" panose="020F0502020204030204" pitchFamily="34" charset="0"/>
                   </a:rPr>
                   <a:t>En otras palabras, tenemos que el modelo factorial resulta:</a:t>
                 </a:r>
@@ -13712,56 +13795,50 @@
                     </m:oMathParaPr>
                     <m:oMath xmlns:m="http://schemas.openxmlformats.org/officeDocument/2006/math">
                       <m:r>
-                        <a:rPr lang="es-ES" b="1" dirty="0">
+                        <a:rPr lang="es-ES" dirty="0">
                           <a:solidFill>
                             <a:schemeClr val="bg1"/>
                           </a:solidFill>
-                          <a:latin typeface="Cambria Math" panose="02040503050406030204" pitchFamily="18" charset="0"/>
                         </a:rPr>
                         <m:t>𝐲</m:t>
                       </m:r>
                       <m:r>
-                        <a:rPr lang="es-ES" b="1" dirty="0">
+                        <a:rPr lang="es-ES" dirty="0">
                           <a:solidFill>
                             <a:schemeClr val="bg1"/>
                           </a:solidFill>
-                          <a:latin typeface="Cambria Math" panose="02040503050406030204" pitchFamily="18" charset="0"/>
                         </a:rPr>
                         <m:t>=</m:t>
                       </m:r>
                       <m:r>
-                        <a:rPr lang="es-ES" b="0" i="1" smtClean="0">
+                        <a:rPr lang="es-ES">
                           <a:solidFill>
                             <a:schemeClr val="bg1"/>
                           </a:solidFill>
-                          <a:latin typeface="Cambria Math" panose="02040503050406030204" pitchFamily="18" charset="0"/>
                         </a:rPr>
                         <m:t>𝑀</m:t>
                       </m:r>
                       <m:r>
-                        <a:rPr lang="es-ES" b="1" i="0" dirty="0">
+                        <a:rPr lang="es-ES" dirty="0">
                           <a:solidFill>
                             <a:schemeClr val="bg1"/>
                           </a:solidFill>
-                          <a:latin typeface="Cambria Math" panose="02040503050406030204" pitchFamily="18" charset="0"/>
                         </a:rPr>
                         <m:t>𝐟</m:t>
                       </m:r>
                       <m:r>
-                        <a:rPr lang="es-ES" b="1" i="1" dirty="0">
+                        <a:rPr lang="es-ES" dirty="0">
                           <a:solidFill>
                             <a:schemeClr val="bg1"/>
                           </a:solidFill>
-                          <a:latin typeface="Cambria Math" panose="02040503050406030204" pitchFamily="18" charset="0"/>
                         </a:rPr>
                         <m:t>+</m:t>
                       </m:r>
                       <m:r>
-                        <a:rPr lang="es-ES" i="1">
+                        <a:rPr lang="es-ES">
                           <a:solidFill>
                             <a:schemeClr val="bg1"/>
                           </a:solidFill>
-                          <a:latin typeface="Cambria Math" panose="02040503050406030204" pitchFamily="18" charset="0"/>
                         </a:rPr>
                         <m:t>𝜖</m:t>
                       </m:r>
@@ -13772,8 +13849,6 @@
                   <a:solidFill>
                     <a:schemeClr val="bg1"/>
                   </a:solidFill>
-                  <a:latin typeface="Calibri" panose="020F0502020204030204" pitchFamily="34" charset="0"/>
-                  <a:cs typeface="Calibri" panose="020F0502020204030204" pitchFamily="34" charset="0"/>
                 </a:endParaRPr>
               </a:p>
               <a:p>
@@ -13782,8 +13857,6 @@
                     <a:solidFill>
                       <a:schemeClr val="bg1"/>
                     </a:solidFill>
-                    <a:latin typeface="Calibri" panose="020F0502020204030204" pitchFamily="34" charset="0"/>
-                    <a:cs typeface="Calibri" panose="020F0502020204030204" pitchFamily="34" charset="0"/>
                   </a:rPr>
                   <a:t>Con descomposición de la matriz de covarianzas:</a:t>
                 </a:r>
@@ -13797,8 +13870,6 @@
                     <a:solidFill>
                       <a:schemeClr val="bg1"/>
                     </a:solidFill>
-                    <a:latin typeface="Calibri" panose="020F0502020204030204" pitchFamily="34" charset="0"/>
-                    <a:cs typeface="Calibri" panose="020F0502020204030204" pitchFamily="34" charset="0"/>
                   </a:rPr>
                   <a:t> </a:t>
                 </a:r>
@@ -13807,149 +13878,135 @@
                     <m:sSub>
                       <m:sSubPr>
                         <m:ctrlPr>
-                          <a:rPr lang="es-ES" i="1">
+                          <a:rPr lang="es-ES">
                             <a:solidFill>
                               <a:schemeClr val="bg1"/>
                             </a:solidFill>
-                            <a:latin typeface="Cambria Math" panose="02040503050406030204" pitchFamily="18" charset="0"/>
                           </a:rPr>
                         </m:ctrlPr>
                       </m:sSubPr>
                       <m:e>
                         <m:r>
-                          <a:rPr lang="es-ES" i="1">
+                          <a:rPr lang="es-ES">
                             <a:solidFill>
                               <a:schemeClr val="bg1"/>
                             </a:solidFill>
-                            <a:latin typeface="Cambria Math" panose="02040503050406030204" pitchFamily="18" charset="0"/>
                           </a:rPr>
                           <m:t>𝑆</m:t>
                         </m:r>
                       </m:e>
                       <m:sub>
                         <m:r>
-                          <a:rPr lang="es-ES" i="1">
+                          <a:rPr lang="es-ES">
                             <a:solidFill>
                               <a:schemeClr val="bg1"/>
                             </a:solidFill>
-                            <a:latin typeface="Cambria Math" panose="02040503050406030204" pitchFamily="18" charset="0"/>
                           </a:rPr>
                           <m:t>𝑦</m:t>
                         </m:r>
                       </m:sub>
                     </m:sSub>
                     <m:r>
-                      <a:rPr lang="es-ES" i="1">
+                      <a:rPr lang="es-ES">
                         <a:solidFill>
                           <a:schemeClr val="bg1"/>
                         </a:solidFill>
-                        <a:latin typeface="Cambria Math" panose="02040503050406030204" pitchFamily="18" charset="0"/>
                       </a:rPr>
                       <m:t>=</m:t>
                     </m:r>
                     <m:sSub>
                       <m:sSubPr>
                         <m:ctrlPr>
-                          <a:rPr lang="es-ES" i="1">
+                          <a:rPr lang="es-ES">
                             <a:solidFill>
                               <a:schemeClr val="bg1"/>
                             </a:solidFill>
-                            <a:latin typeface="Cambria Math" panose="02040503050406030204" pitchFamily="18" charset="0"/>
                           </a:rPr>
                         </m:ctrlPr>
                       </m:sSubPr>
                       <m:e>
                         <m:r>
-                          <a:rPr lang="es-ES" i="1">
+                          <a:rPr lang="es-ES">
                             <a:solidFill>
                               <a:schemeClr val="bg1"/>
                             </a:solidFill>
-                            <a:latin typeface="Cambria Math" panose="02040503050406030204" pitchFamily="18" charset="0"/>
                           </a:rPr>
                           <m:t>𝑅</m:t>
                         </m:r>
                       </m:e>
                       <m:sub>
                         <m:r>
-                          <a:rPr lang="es-ES" i="1">
+                          <a:rPr lang="es-ES">
                             <a:solidFill>
                               <a:schemeClr val="bg1"/>
                             </a:solidFill>
-                            <a:latin typeface="Cambria Math" panose="02040503050406030204" pitchFamily="18" charset="0"/>
                           </a:rPr>
                           <m:t>𝑥</m:t>
                         </m:r>
                       </m:sub>
                     </m:sSub>
                     <m:r>
-                      <a:rPr lang="es-ES" b="0" i="1" smtClean="0">
+                      <a:rPr lang="es-ES">
                         <a:solidFill>
                           <a:schemeClr val="bg1"/>
                         </a:solidFill>
-                        <a:latin typeface="Cambria Math" panose="02040503050406030204" pitchFamily="18" charset="0"/>
                       </a:rPr>
                       <m:t>=</m:t>
                     </m:r>
                     <m:r>
-                      <a:rPr lang="es-ES" b="0" i="1" smtClean="0">
+                      <a:rPr lang="es-ES">
                         <a:solidFill>
                           <a:schemeClr val="bg1"/>
                         </a:solidFill>
-                        <a:latin typeface="Cambria Math" panose="02040503050406030204" pitchFamily="18" charset="0"/>
                       </a:rPr>
                       <m:t>𝑀</m:t>
                     </m:r>
                     <m:sSup>
                       <m:sSupPr>
                         <m:ctrlPr>
-                          <a:rPr lang="es-ES" i="1" smtClean="0">
+                          <a:rPr lang="es-ES">
                             <a:solidFill>
                               <a:schemeClr val="bg1"/>
                             </a:solidFill>
-                            <a:latin typeface="Cambria Math" panose="02040503050406030204" pitchFamily="18" charset="0"/>
                           </a:rPr>
                         </m:ctrlPr>
                       </m:sSupPr>
                       <m:e>
                         <m:r>
-                          <a:rPr lang="es-ES" b="0" i="1" smtClean="0">
+                          <a:rPr lang="es-ES">
                             <a:solidFill>
                               <a:schemeClr val="bg1"/>
                             </a:solidFill>
-                            <a:latin typeface="Cambria Math" panose="02040503050406030204" pitchFamily="18" charset="0"/>
                           </a:rPr>
                           <m:t>𝑀</m:t>
                         </m:r>
                       </m:e>
                       <m:sup>
                         <m:r>
-                          <a:rPr lang="es-ES" b="0" i="1" smtClean="0">
+                          <a:rPr lang="es-ES">
                             <a:solidFill>
                               <a:schemeClr val="bg1"/>
                             </a:solidFill>
-                            <a:latin typeface="Cambria Math" panose="02040503050406030204" pitchFamily="18" charset="0"/>
                           </a:rPr>
                           <m:t>𝑡</m:t>
                         </m:r>
                       </m:sup>
                     </m:sSup>
                     <m:r>
-                      <a:rPr lang="es-ES" b="0" i="0" smtClean="0">
+                      <a:rPr lang="es-ES">
                         <a:solidFill>
                           <a:schemeClr val="bg1"/>
                         </a:solidFill>
-                        <a:latin typeface="Cambria Math" panose="02040503050406030204" pitchFamily="18" charset="0"/>
                       </a:rPr>
                       <m:t>+</m:t>
                     </m:r>
                     <m:sSub>
                       <m:sSubPr>
                         <m:ctrlPr>
-                          <a:rPr lang="es-ES" i="1">
+                          <a:rPr lang="es-ES">
                             <a:solidFill>
                               <a:schemeClr val="bg1"/>
                             </a:solidFill>
-                            <a:latin typeface="Cambria Math" panose="02040503050406030204" pitchFamily="18" charset="0"/>
                           </a:rPr>
                         </m:ctrlPr>
                       </m:sSubPr>
@@ -13962,18 +14019,16 @@
                             <a:solidFill>
                               <a:schemeClr val="bg1"/>
                             </a:solidFill>
-                            <a:latin typeface="Cambria Math" panose="02040503050406030204" pitchFamily="18" charset="0"/>
                           </a:rPr>
                           <m:t>S</m:t>
                         </m:r>
                       </m:e>
                       <m:sub>
                         <m:r>
-                          <a:rPr lang="es-ES" i="1">
+                          <a:rPr lang="es-ES">
                             <a:solidFill>
                               <a:schemeClr val="bg1"/>
                             </a:solidFill>
-                            <a:latin typeface="Cambria Math" panose="02040503050406030204" pitchFamily="18" charset="0"/>
                           </a:rPr>
                           <m:t>𝜖</m:t>
                         </m:r>
@@ -13985,8 +14040,6 @@
                   <a:solidFill>
                     <a:schemeClr val="bg1"/>
                   </a:solidFill>
-                  <a:latin typeface="Calibri" panose="020F0502020204030204" pitchFamily="34" charset="0"/>
-                  <a:cs typeface="Calibri" panose="020F0502020204030204" pitchFamily="34" charset="0"/>
                 </a:endParaRPr>
               </a:p>
               <a:p>
@@ -13995,8 +14048,6 @@
                     <a:solidFill>
                       <a:schemeClr val="bg1"/>
                     </a:solidFill>
-                    <a:latin typeface="Calibri" panose="020F0502020204030204" pitchFamily="34" charset="0"/>
-                    <a:cs typeface="Calibri" panose="020F0502020204030204" pitchFamily="34" charset="0"/>
                   </a:rPr>
                   <a:t>Trabajar con esta descomposición de </a:t>
                 </a:r>
@@ -14005,32 +14056,29 @@
                     <m:sSub>
                       <m:sSubPr>
                         <m:ctrlPr>
-                          <a:rPr lang="es-ES" i="1">
+                          <a:rPr lang="es-ES">
                             <a:solidFill>
                               <a:schemeClr val="bg1"/>
                             </a:solidFill>
-                            <a:latin typeface="Cambria Math" panose="02040503050406030204" pitchFamily="18" charset="0"/>
                           </a:rPr>
                         </m:ctrlPr>
                       </m:sSubPr>
                       <m:e>
                         <m:r>
-                          <a:rPr lang="es-ES" i="1">
+                          <a:rPr lang="es-ES">
                             <a:solidFill>
                               <a:schemeClr val="bg1"/>
                             </a:solidFill>
-                            <a:latin typeface="Cambria Math" panose="02040503050406030204" pitchFamily="18" charset="0"/>
                           </a:rPr>
                           <m:t>𝑆</m:t>
                         </m:r>
                       </m:e>
                       <m:sub>
                         <m:r>
-                          <a:rPr lang="es-ES" i="1">
+                          <a:rPr lang="es-ES">
                             <a:solidFill>
                               <a:schemeClr val="bg1"/>
                             </a:solidFill>
-                            <a:latin typeface="Cambria Math" panose="02040503050406030204" pitchFamily="18" charset="0"/>
                           </a:rPr>
                           <m:t>𝑦</m:t>
                         </m:r>
@@ -14043,8 +14091,6 @@
                     <a:solidFill>
                       <a:schemeClr val="bg1"/>
                     </a:solidFill>
-                    <a:latin typeface="Calibri" panose="020F0502020204030204" pitchFamily="34" charset="0"/>
-                    <a:cs typeface="Calibri" panose="020F0502020204030204" pitchFamily="34" charset="0"/>
                   </a:rPr>
                   <a:t> es útil porque las entradas de la diagonal van a ser iguales a 1, y la suma de las comunalidades será igual a 1. Sus interpretaciones son más sencillas.</a:t>
                 </a:r>
@@ -14061,7 +14107,7 @@
             </p:txBody>
           </p:sp>
         </mc:Choice>
-        <mc:Fallback xmlns="">
+        <mc:Fallback>
           <p:sp>
             <p:nvSpPr>
               <p:cNvPr id="3" name="Marcador de contenido 2">
@@ -14086,7 +14132,7 @@
               <a:blipFill>
                 <a:blip r:embed="rId2"/>
                 <a:stretch>
-                  <a:fillRect l="-204" t="-742" r="-883"/>
+                  <a:fillRect l="-136" t="-742" r="-611"/>
                 </a:stretch>
               </a:blipFill>
             </p:spPr>
@@ -14174,8 +14220,8 @@
           </a:p>
         </p:txBody>
       </p:sp>
-      <mc:AlternateContent xmlns:mc="http://schemas.openxmlformats.org/markup-compatibility/2006" xmlns:a14="http://schemas.microsoft.com/office/drawing/2010/main">
-        <mc:Choice Requires="a14">
+      <mc:AlternateContent xmlns:mc="http://schemas.openxmlformats.org/markup-compatibility/2006">
+        <mc:Choice xmlns:a14="http://schemas.microsoft.com/office/drawing/2010/main" Requires="a14">
           <p:sp>
             <p:nvSpPr>
               <p:cNvPr id="3" name="Marcador de contenido 2">
@@ -14214,12 +14260,12 @@
                 </a:r>
               </a:p>
               <a:p>
-                <a:pPr>
+                <a:pPr lvl="1">
                   <a:buFont typeface="+mj-lt"/>
                   <a:buAutoNum type="arabicPeriod"/>
                 </a:pPr>
                 <a:r>
-                  <a:rPr lang="es-ES" dirty="0">
+                  <a:rPr lang="es-ES" sz="1800" dirty="0">
                     <a:solidFill>
                       <a:schemeClr val="bg1"/>
                     </a:solidFill>
@@ -14229,7 +14275,7 @@
                   <a:t>Principal Component Factor </a:t>
                 </a:r>
                 <a:r>
-                  <a:rPr lang="es-ES" dirty="0" err="1">
+                  <a:rPr lang="es-ES" sz="1800" dirty="0" err="1">
                     <a:solidFill>
                       <a:schemeClr val="bg1"/>
                     </a:solidFill>
@@ -14239,7 +14285,7 @@
                   <a:t>Analysis</a:t>
                 </a:r>
                 <a:r>
-                  <a:rPr lang="es-ES" dirty="0">
+                  <a:rPr lang="es-ES" sz="1800" dirty="0">
                     <a:solidFill>
                       <a:schemeClr val="bg1"/>
                     </a:solidFill>
@@ -14250,12 +14296,12 @@
                 </a:r>
               </a:p>
               <a:p>
-                <a:pPr>
+                <a:pPr lvl="1">
                   <a:buFont typeface="+mj-lt"/>
                   <a:buAutoNum type="arabicPeriod"/>
                 </a:pPr>
                 <a:r>
-                  <a:rPr lang="es-ES" dirty="0">
+                  <a:rPr lang="es-ES" sz="1800" dirty="0">
                     <a:solidFill>
                       <a:schemeClr val="bg1"/>
                     </a:solidFill>
@@ -14265,7 +14311,7 @@
                   <a:t>Principal Factor </a:t>
                 </a:r>
                 <a:r>
-                  <a:rPr lang="es-ES" dirty="0" err="1">
+                  <a:rPr lang="es-ES" sz="1800" dirty="0" err="1">
                     <a:solidFill>
                       <a:schemeClr val="bg1"/>
                     </a:solidFill>
@@ -14275,7 +14321,7 @@
                   <a:t>Analysis</a:t>
                 </a:r>
                 <a:r>
-                  <a:rPr lang="es-ES" dirty="0">
+                  <a:rPr lang="es-ES" sz="1800" dirty="0">
                     <a:solidFill>
                       <a:schemeClr val="bg1"/>
                     </a:solidFill>
@@ -14286,11 +14332,11 @@
                 </a:r>
               </a:p>
               <a:p>
-                <a:pPr>
+                <a:pPr lvl="1">
                   <a:buFont typeface="+mj-lt"/>
                   <a:buAutoNum type="arabicPeriod"/>
                 </a:pPr>
-                <a:endParaRPr lang="es-ES" dirty="0">
+                <a:endParaRPr lang="es-ES" sz="1800" dirty="0">
                   <a:solidFill>
                     <a:schemeClr val="bg1"/>
                   </a:solidFill>
@@ -14311,12 +14357,12 @@
                 </a:r>
               </a:p>
               <a:p>
-                <a:pPr>
+                <a:pPr lvl="1">
                   <a:buFont typeface="+mj-lt"/>
                   <a:buAutoNum type="arabicPeriod"/>
                 </a:pPr>
                 <a:r>
-                  <a:rPr lang="es-ES" dirty="0">
+                  <a:rPr lang="es-ES" sz="1800" dirty="0">
                     <a:solidFill>
                       <a:schemeClr val="bg1"/>
                     </a:solidFill>
@@ -14330,7 +14376,7 @@
                     <m:sSub>
                       <m:sSubPr>
                         <m:ctrlPr>
-                          <a:rPr lang="es-ES" b="0" i="1" dirty="0" smtClean="0">
+                          <a:rPr lang="es-ES" sz="1800" b="0" i="1" dirty="0" smtClean="0">
                             <a:solidFill>
                               <a:schemeClr val="bg1"/>
                             </a:solidFill>
@@ -14341,7 +14387,7 @@
                       </m:sSubPr>
                       <m:e>
                         <m:r>
-                          <a:rPr lang="es-ES" i="1" dirty="0">
+                          <a:rPr lang="es-ES" sz="1800" i="1" dirty="0">
                             <a:solidFill>
                               <a:schemeClr val="bg1"/>
                             </a:solidFill>
@@ -14353,7 +14399,7 @@
                       </m:e>
                       <m:sub>
                         <m:r>
-                          <a:rPr lang="es-ES" b="0" i="1" dirty="0" smtClean="0">
+                          <a:rPr lang="es-ES" sz="1800" b="0" i="1" dirty="0" smtClean="0">
                             <a:solidFill>
                               <a:schemeClr val="bg1"/>
                             </a:solidFill>
@@ -14365,7 +14411,7 @@
                       </m:sub>
                     </m:sSub>
                     <m:r>
-                      <a:rPr lang="es-ES" i="1" dirty="0">
+                      <a:rPr lang="es-ES" sz="1800" i="1" dirty="0">
                         <a:solidFill>
                           <a:schemeClr val="bg1"/>
                         </a:solidFill>
@@ -14378,7 +14424,7 @@
                       <m:rPr>
                         <m:sty m:val="p"/>
                       </m:rPr>
-                      <a:rPr lang="es-ES" dirty="0">
+                      <a:rPr lang="es-ES" sz="1800" dirty="0">
                         <a:solidFill>
                           <a:schemeClr val="bg1"/>
                         </a:solidFill>
@@ -14390,7 +14436,7 @@
                     <m:sSup>
                       <m:sSupPr>
                         <m:ctrlPr>
-                          <a:rPr lang="es-ES" i="1" dirty="0">
+                          <a:rPr lang="es-ES" sz="1800" i="1" dirty="0">
                             <a:solidFill>
                               <a:schemeClr val="bg1"/>
                             </a:solidFill>
@@ -14404,7 +14450,7 @@
                           <m:rPr>
                             <m:sty m:val="p"/>
                           </m:rPr>
-                          <a:rPr lang="es-ES" dirty="0">
+                          <a:rPr lang="es-ES" sz="1800" dirty="0">
                             <a:solidFill>
                               <a:schemeClr val="bg1"/>
                             </a:solidFill>
@@ -14416,7 +14462,7 @@
                       </m:e>
                       <m:sup>
                         <m:r>
-                          <a:rPr lang="es-ES" i="1" dirty="0">
+                          <a:rPr lang="es-ES" sz="1800" i="1" dirty="0">
                             <a:solidFill>
                               <a:schemeClr val="bg1"/>
                             </a:solidFill>
@@ -14428,7 +14474,7 @@
                       </m:sup>
                     </m:sSup>
                     <m:r>
-                      <a:rPr lang="es-ES" dirty="0">
+                      <a:rPr lang="es-ES" sz="1800" dirty="0">
                         <a:solidFill>
                           <a:schemeClr val="bg1"/>
                         </a:solidFill>
@@ -14438,7 +14484,7 @@
                       <m:t>+</m:t>
                     </m:r>
                     <m:r>
-                      <a:rPr lang="es-ES" i="1" dirty="0">
+                      <a:rPr lang="es-ES" sz="1800" i="1" dirty="0">
                         <a:solidFill>
                           <a:schemeClr val="bg1"/>
                         </a:solidFill>
@@ -14450,21 +14496,31 @@
                   </m:oMath>
                 </a14:m>
                 <a:r>
-                  <a:rPr lang="es-ES" dirty="0">
+                  <a:rPr lang="es-ES" sz="1800" dirty="0">
                     <a:solidFill>
                       <a:schemeClr val="bg1"/>
                     </a:solidFill>
                     <a:latin typeface="Calibri" panose="020F0502020204030204" pitchFamily="34" charset="0"/>
                     <a:cs typeface="Calibri" panose="020F0502020204030204" pitchFamily="34" charset="0"/>
                   </a:rPr>
-                  <a:t> si trabajamos con los datos </a:t>
+                  <a:t> si trabajamos con los </a:t>
+                </a:r>
+                <a:r>
+                  <a:rPr lang="es-ES" sz="1800" dirty="0">
+                    <a:solidFill>
+                      <a:srgbClr val="FFC000"/>
+                    </a:solidFill>
+                    <a:latin typeface="Calibri" panose="020F0502020204030204" pitchFamily="34" charset="0"/>
+                    <a:cs typeface="Calibri" panose="020F0502020204030204" pitchFamily="34" charset="0"/>
+                  </a:rPr>
+                  <a:t>datos </a:t>
                 </a:r>
                 <a14:m>
                   <m:oMath xmlns:m="http://schemas.openxmlformats.org/officeDocument/2006/math">
                     <m:r>
-                      <a:rPr lang="es-ES" b="1">
+                      <a:rPr lang="es-ES" sz="1800" b="1">
                         <a:solidFill>
-                          <a:schemeClr val="bg1"/>
+                          <a:srgbClr val="FFC000"/>
                         </a:solidFill>
                         <a:latin typeface="Cambria Math" panose="02040503050406030204" pitchFamily="18" charset="0"/>
                       </a:rPr>
@@ -14473,7 +14529,17 @@
                   </m:oMath>
                 </a14:m>
                 <a:r>
-                  <a:rPr lang="es-ES" dirty="0">
+                  <a:rPr lang="es-ES" sz="1800" dirty="0">
+                    <a:solidFill>
+                      <a:srgbClr val="FFC000"/>
+                    </a:solidFill>
+                    <a:latin typeface="Calibri" panose="020F0502020204030204" pitchFamily="34" charset="0"/>
+                    <a:cs typeface="Calibri" panose="020F0502020204030204" pitchFamily="34" charset="0"/>
+                  </a:rPr>
+                  <a:t> originales</a:t>
+                </a:r>
+                <a:r>
+                  <a:rPr lang="es-ES" sz="1800" dirty="0">
                     <a:solidFill>
                       <a:schemeClr val="bg1"/>
                     </a:solidFill>
@@ -14484,12 +14550,12 @@
                 </a:r>
               </a:p>
               <a:p>
-                <a:pPr>
+                <a:pPr lvl="1">
                   <a:buFont typeface="+mj-lt"/>
                   <a:buAutoNum type="arabicPeriod"/>
                 </a:pPr>
                 <a:r>
-                  <a:rPr lang="es-ES" dirty="0">
+                  <a:rPr lang="es-ES" sz="1800" dirty="0">
                     <a:solidFill>
                       <a:schemeClr val="bg1"/>
                     </a:solidFill>
@@ -14503,7 +14569,7 @@
                     <m:sSub>
                       <m:sSubPr>
                         <m:ctrlPr>
-                          <a:rPr lang="es-ES" b="0" i="1" dirty="0" smtClean="0">
+                          <a:rPr lang="es-ES" sz="1800" b="0" i="1" dirty="0" smtClean="0">
                             <a:solidFill>
                               <a:schemeClr val="bg1"/>
                             </a:solidFill>
@@ -14514,7 +14580,7 @@
                       </m:sSubPr>
                       <m:e>
                         <m:r>
-                          <a:rPr lang="es-ES" b="0" i="1" dirty="0" smtClean="0">
+                          <a:rPr lang="es-ES" sz="1800" b="0" i="1" dirty="0" smtClean="0">
                             <a:solidFill>
                               <a:schemeClr val="bg1"/>
                             </a:solidFill>
@@ -14526,7 +14592,7 @@
                       </m:e>
                       <m:sub>
                         <m:r>
-                          <a:rPr lang="es-ES" b="0" i="1" dirty="0" smtClean="0">
+                          <a:rPr lang="es-ES" sz="1800" b="0" i="1" dirty="0" smtClean="0">
                             <a:solidFill>
                               <a:schemeClr val="bg1"/>
                             </a:solidFill>
@@ -14538,7 +14604,7 @@
                       </m:sub>
                     </m:sSub>
                     <m:r>
-                      <a:rPr lang="es-ES" i="1" dirty="0">
+                      <a:rPr lang="es-ES" sz="1800" i="1" dirty="0">
                         <a:solidFill>
                           <a:schemeClr val="bg1"/>
                         </a:solidFill>
@@ -14548,7 +14614,7 @@
                       <m:t>=</m:t>
                     </m:r>
                     <m:r>
-                      <a:rPr lang="es-ES" b="0" i="1" dirty="0" smtClean="0">
+                      <a:rPr lang="es-ES" sz="1800" b="0" i="1" dirty="0" smtClean="0">
                         <a:solidFill>
                           <a:schemeClr val="bg1"/>
                         </a:solidFill>
@@ -14560,7 +14626,7 @@
                     <m:sSup>
                       <m:sSupPr>
                         <m:ctrlPr>
-                          <a:rPr lang="es-ES" b="0" i="1" dirty="0" smtClean="0">
+                          <a:rPr lang="es-ES" sz="1800" b="0" i="1" dirty="0" smtClean="0">
                             <a:solidFill>
                               <a:schemeClr val="bg1"/>
                             </a:solidFill>
@@ -14571,7 +14637,7 @@
                       </m:sSupPr>
                       <m:e>
                         <m:r>
-                          <a:rPr lang="es-ES" b="0" i="1" dirty="0" smtClean="0">
+                          <a:rPr lang="es-ES" sz="1800" b="0" i="1" dirty="0" smtClean="0">
                             <a:solidFill>
                               <a:schemeClr val="bg1"/>
                             </a:solidFill>
@@ -14583,7 +14649,7 @@
                       </m:e>
                       <m:sup>
                         <m:r>
-                          <a:rPr lang="es-ES" b="0" i="1" dirty="0" smtClean="0">
+                          <a:rPr lang="es-ES" sz="1800" b="0" i="1" dirty="0" smtClean="0">
                             <a:solidFill>
                               <a:schemeClr val="bg1"/>
                             </a:solidFill>
@@ -14595,7 +14661,7 @@
                       </m:sup>
                     </m:sSup>
                     <m:r>
-                      <a:rPr lang="es-ES" dirty="0">
+                      <a:rPr lang="es-ES" sz="1800" dirty="0">
                         <a:solidFill>
                           <a:schemeClr val="bg1"/>
                         </a:solidFill>
@@ -14607,7 +14673,7 @@
                     <m:sSub>
                       <m:sSubPr>
                         <m:ctrlPr>
-                          <a:rPr lang="es-ES" i="1">
+                          <a:rPr lang="es-ES" sz="1800" i="1">
                             <a:solidFill>
                               <a:schemeClr val="bg1"/>
                             </a:solidFill>
@@ -14620,7 +14686,7 @@
                           <m:rPr>
                             <m:sty m:val="p"/>
                           </m:rPr>
-                          <a:rPr lang="es-ES">
+                          <a:rPr lang="es-ES" sz="1800">
                             <a:solidFill>
                               <a:schemeClr val="bg1"/>
                             </a:solidFill>
@@ -14631,7 +14697,7 @@
                       </m:e>
                       <m:sub>
                         <m:r>
-                          <a:rPr lang="es-ES" i="1">
+                          <a:rPr lang="es-ES" sz="1800" i="1">
                             <a:solidFill>
                               <a:schemeClr val="bg1"/>
                             </a:solidFill>
@@ -14644,21 +14710,31 @@
                   </m:oMath>
                 </a14:m>
                 <a:r>
-                  <a:rPr lang="es-ES" dirty="0">
+                  <a:rPr lang="es-ES" sz="1800" dirty="0">
                     <a:solidFill>
                       <a:schemeClr val="bg1"/>
                     </a:solidFill>
                     <a:latin typeface="Calibri" panose="020F0502020204030204" pitchFamily="34" charset="0"/>
                     <a:cs typeface="Calibri" panose="020F0502020204030204" pitchFamily="34" charset="0"/>
                   </a:rPr>
-                  <a:t> si trabajamos con los datos </a:t>
+                  <a:t> si trabajamos con los </a:t>
+                </a:r>
+                <a:r>
+                  <a:rPr lang="es-ES" sz="1800" dirty="0">
+                    <a:solidFill>
+                      <a:srgbClr val="92D050"/>
+                    </a:solidFill>
+                    <a:latin typeface="Calibri" panose="020F0502020204030204" pitchFamily="34" charset="0"/>
+                    <a:cs typeface="Calibri" panose="020F0502020204030204" pitchFamily="34" charset="0"/>
+                  </a:rPr>
+                  <a:t>datos </a:t>
                 </a:r>
                 <a14:m>
                   <m:oMath xmlns:m="http://schemas.openxmlformats.org/officeDocument/2006/math">
                     <m:r>
-                      <a:rPr lang="es-ES" b="1" i="0" smtClean="0">
+                      <a:rPr lang="es-ES" sz="1800" b="1" i="0" smtClean="0">
                         <a:solidFill>
-                          <a:schemeClr val="bg1"/>
+                          <a:srgbClr val="92D050"/>
                         </a:solidFill>
                         <a:latin typeface="Cambria Math" panose="02040503050406030204" pitchFamily="18" charset="0"/>
                       </a:rPr>
@@ -14667,14 +14743,24 @@
                   </m:oMath>
                 </a14:m>
                 <a:r>
-                  <a:rPr lang="es-ES" dirty="0">
+                  <a:rPr lang="es-ES" sz="1800" dirty="0">
+                    <a:solidFill>
+                      <a:srgbClr val="92D050"/>
+                    </a:solidFill>
+                    <a:latin typeface="Calibri" panose="020F0502020204030204" pitchFamily="34" charset="0"/>
+                    <a:cs typeface="Calibri" panose="020F0502020204030204" pitchFamily="34" charset="0"/>
+                  </a:rPr>
+                  <a:t> estandarizados</a:t>
+                </a:r>
+                <a:r>
+                  <a:rPr lang="es-ES" sz="1800" dirty="0">
                     <a:solidFill>
                       <a:schemeClr val="bg1"/>
                     </a:solidFill>
                     <a:latin typeface="Calibri" panose="020F0502020204030204" pitchFamily="34" charset="0"/>
                     <a:cs typeface="Calibri" panose="020F0502020204030204" pitchFamily="34" charset="0"/>
                   </a:rPr>
-                  <a:t> estandarizados.</a:t>
+                  <a:t>.</a:t>
                 </a:r>
               </a:p>
               <a:p>
@@ -14798,7 +14884,7 @@
             </p:txBody>
           </p:sp>
         </mc:Choice>
-        <mc:Fallback xmlns="">
+        <mc:Fallback>
           <p:sp>
             <p:nvSpPr>
               <p:cNvPr id="3" name="Marcador de contenido 2">
@@ -14823,7 +14909,7 @@
               <a:blipFill>
                 <a:blip r:embed="rId2"/>
                 <a:stretch>
-                  <a:fillRect l="-272" t="-742"/>
+                  <a:fillRect l="-136" t="-742"/>
                 </a:stretch>
               </a:blipFill>
             </p:spPr>
@@ -14925,8 +15011,8 @@
           </a:p>
         </p:txBody>
       </p:sp>
-      <mc:AlternateContent xmlns:mc="http://schemas.openxmlformats.org/markup-compatibility/2006">
-        <mc:Choice xmlns:a14="http://schemas.microsoft.com/office/drawing/2010/main" Requires="a14">
+      <mc:AlternateContent xmlns:mc="http://schemas.openxmlformats.org/markup-compatibility/2006" xmlns:a14="http://schemas.microsoft.com/office/drawing/2010/main">
+        <mc:Choice Requires="a14">
           <p:sp>
             <p:nvSpPr>
               <p:cNvPr id="3" name="Marcador de contenido 2">
@@ -14970,11 +15056,11 @@
                     <m:sSub>
                       <m:sSubPr>
                         <m:ctrlPr>
-                          <a:rPr lang="es-ES" dirty="0">
+                          <a:rPr lang="es-ES" i="1" dirty="0">
                             <a:solidFill>
                               <a:schemeClr val="bg1"/>
                             </a:solidFill>
-                            <a:latin typeface="Calibri" panose="020F0502020204030204" pitchFamily="34" charset="0"/>
+                            <a:latin typeface="Cambria Math" panose="02040503050406030204" pitchFamily="18" charset="0"/>
                             <a:cs typeface="Calibri" panose="020F0502020204030204" pitchFamily="34" charset="0"/>
                           </a:rPr>
                         </m:ctrlPr>
@@ -14985,7 +15071,7 @@
                             <a:solidFill>
                               <a:schemeClr val="bg1"/>
                             </a:solidFill>
-                            <a:latin typeface="Calibri" panose="020F0502020204030204" pitchFamily="34" charset="0"/>
+                            <a:latin typeface="Cambria Math" panose="02040503050406030204" pitchFamily="18" charset="0"/>
                             <a:cs typeface="Calibri" panose="020F0502020204030204" pitchFamily="34" charset="0"/>
                           </a:rPr>
                           <m:t>𝑆</m:t>
@@ -14997,7 +15083,7 @@
                             <a:solidFill>
                               <a:schemeClr val="bg1"/>
                             </a:solidFill>
-                            <a:latin typeface="Calibri" panose="020F0502020204030204" pitchFamily="34" charset="0"/>
+                            <a:latin typeface="Cambria Math" panose="02040503050406030204" pitchFamily="18" charset="0"/>
                             <a:cs typeface="Calibri" panose="020F0502020204030204" pitchFamily="34" charset="0"/>
                           </a:rPr>
                           <m:t>𝑥</m:t>
@@ -15696,7 +15782,7 @@
             </p:txBody>
           </p:sp>
         </mc:Choice>
-        <mc:Fallback>
+        <mc:Fallback xmlns="">
           <p:sp>
             <p:nvSpPr>
               <p:cNvPr id="3" name="Marcador de contenido 2">
@@ -15870,7 +15956,7 @@
                         <a:solidFill>
                           <a:schemeClr val="bg1"/>
                         </a:solidFill>
-                        <a:latin typeface="Calibri" panose="020F0502020204030204" pitchFamily="34" charset="0"/>
+                        <a:latin typeface="Cambria Math" panose="02040503050406030204" pitchFamily="18" charset="0"/>
                         <a:cs typeface="Calibri" panose="020F0502020204030204" pitchFamily="34" charset="0"/>
                       </a:rPr>
                       <m:t>𝜓</m:t>
@@ -15880,7 +15966,7 @@
                         <a:solidFill>
                           <a:schemeClr val="bg1"/>
                         </a:solidFill>
-                        <a:latin typeface="Calibri" panose="020F0502020204030204" pitchFamily="34" charset="0"/>
+                        <a:latin typeface="Cambria Math" panose="02040503050406030204" pitchFamily="18" charset="0"/>
                         <a:cs typeface="Calibri" panose="020F0502020204030204" pitchFamily="34" charset="0"/>
                       </a:rPr>
                       <m:t>=</m:t>
@@ -15888,11 +15974,11 @@
                     <m:sSub>
                       <m:sSubPr>
                         <m:ctrlPr>
-                          <a:rPr lang="es-ES" dirty="0">
+                          <a:rPr lang="es-ES" i="1" dirty="0">
                             <a:solidFill>
                               <a:schemeClr val="bg1"/>
                             </a:solidFill>
-                            <a:latin typeface="Calibri" panose="020F0502020204030204" pitchFamily="34" charset="0"/>
+                            <a:latin typeface="Cambria Math" panose="02040503050406030204" pitchFamily="18" charset="0"/>
                             <a:cs typeface="Calibri" panose="020F0502020204030204" pitchFamily="34" charset="0"/>
                           </a:rPr>
                         </m:ctrlPr>
@@ -15903,7 +15989,7 @@
                             <a:solidFill>
                               <a:schemeClr val="bg1"/>
                             </a:solidFill>
-                            <a:latin typeface="Calibri" panose="020F0502020204030204" pitchFamily="34" charset="0"/>
+                            <a:latin typeface="Cambria Math" panose="02040503050406030204" pitchFamily="18" charset="0"/>
                             <a:cs typeface="Calibri" panose="020F0502020204030204" pitchFamily="34" charset="0"/>
                           </a:rPr>
                           <m:t>0</m:t>
@@ -15915,7 +16001,7 @@
                             <a:solidFill>
                               <a:schemeClr val="bg1"/>
                             </a:solidFill>
-                            <a:latin typeface="Calibri" panose="020F0502020204030204" pitchFamily="34" charset="0"/>
+                            <a:latin typeface="Cambria Math" panose="02040503050406030204" pitchFamily="18" charset="0"/>
                             <a:cs typeface="Calibri" panose="020F0502020204030204" pitchFamily="34" charset="0"/>
                           </a:rPr>
                           <m:t>𝑝</m:t>
@@ -15925,7 +16011,7 @@
                             <a:solidFill>
                               <a:schemeClr val="bg1"/>
                             </a:solidFill>
-                            <a:latin typeface="Calibri" panose="020F0502020204030204" pitchFamily="34" charset="0"/>
+                            <a:latin typeface="Cambria Math" panose="02040503050406030204" pitchFamily="18" charset="0"/>
                             <a:cs typeface="Calibri" panose="020F0502020204030204" pitchFamily="34" charset="0"/>
                           </a:rPr>
                           <m:t>×</m:t>
@@ -15935,7 +16021,7 @@
                             <a:solidFill>
                               <a:schemeClr val="bg1"/>
                             </a:solidFill>
-                            <a:latin typeface="Calibri" panose="020F0502020204030204" pitchFamily="34" charset="0"/>
+                            <a:latin typeface="Cambria Math" panose="02040503050406030204" pitchFamily="18" charset="0"/>
                             <a:cs typeface="Calibri" panose="020F0502020204030204" pitchFamily="34" charset="0"/>
                           </a:rPr>
                           <m:t>𝑝</m:t>
@@ -16745,14 +16831,14 @@
                 <a14:m>
                   <m:oMath xmlns:m="http://schemas.openxmlformats.org/officeDocument/2006/math">
                     <m:r>
-                      <a:rPr lang="es-ES" dirty="0">
+                      <a:rPr lang="es-ES" b="0" i="1" dirty="0" smtClean="0">
                         <a:solidFill>
                           <a:schemeClr val="bg1"/>
                         </a:solidFill>
                         <a:latin typeface="Cambria Math" panose="02040503050406030204" pitchFamily="18" charset="0"/>
                         <a:cs typeface="Calibri" panose="020F0502020204030204" pitchFamily="34" charset="0"/>
                       </a:rPr>
-                      <m:t>𝑟</m:t>
+                      <m:t>𝑚</m:t>
                     </m:r>
                   </m:oMath>
                 </a14:m>
